--- a/Engage_Lesson6/engage_lesson6_energy.pptx
+++ b/Engage_Lesson6/engage_lesson6_energy.pptx
@@ -17,11 +17,11 @@
     <p:sldId id="262" r:id="rId8"/>
     <p:sldId id="263" r:id="rId9"/>
     <p:sldId id="268" r:id="rId10"/>
-    <p:sldId id="265" r:id="rId11"/>
-    <p:sldId id="266" r:id="rId12"/>
-    <p:sldId id="270" r:id="rId13"/>
-    <p:sldId id="271" r:id="rId14"/>
-    <p:sldId id="267" r:id="rId15"/>
+    <p:sldId id="266" r:id="rId11"/>
+    <p:sldId id="270" r:id="rId12"/>
+    <p:sldId id="271" r:id="rId13"/>
+    <p:sldId id="267" r:id="rId14"/>
+    <p:sldId id="272" r:id="rId15"/>
   </p:sldIdLst>
   <p:sldSz cx="12192000" cy="6858000"/>
   <p:notesSz cx="6858000" cy="9144000"/>
@@ -925,17 +925,17 @@
       </dgm:t>
     </dgm:pt>
     <dgm:pt modelId="{A2891C09-23B8-4ED4-ACD0-81774D56B2BB}">
-      <dgm:prSet/>
+      <dgm:prSet custT="1"/>
       <dgm:spPr/>
       <dgm:t>
         <a:bodyPr/>
         <a:lstStyle/>
         <a:p>
           <a:r>
-            <a:rPr lang="en-GB" dirty="0"/>
+            <a:rPr lang="en-GB" sz="2400" dirty="0"/>
             <a:t>Understand how household items consume energy.</a:t>
           </a:r>
-          <a:endParaRPr lang="en-US" dirty="0"/>
+          <a:endParaRPr lang="en-US" sz="2400" dirty="0"/>
         </a:p>
       </dgm:t>
     </dgm:pt>
@@ -1512,7 +1512,7 @@
         </a:bodyPr>
         <a:lstStyle/>
         <a:p>
-          <a:pPr marL="0" lvl="0" indent="0" algn="l" defTabSz="533400">
+          <a:pPr marL="0" lvl="0" indent="0" algn="l" defTabSz="1066800">
             <a:lnSpc>
               <a:spcPct val="90000"/>
             </a:lnSpc>
@@ -1525,10 +1525,10 @@
             <a:buNone/>
           </a:pPr>
           <a:r>
-            <a:rPr lang="en-GB" sz="1200" kern="1200" dirty="0"/>
+            <a:rPr lang="en-GB" sz="2400" kern="1200" dirty="0"/>
             <a:t>Understand how household items consume energy.</a:t>
           </a:r>
-          <a:endParaRPr lang="en-US" sz="1200" kern="1200" dirty="0"/>
+          <a:endParaRPr lang="en-US" sz="2400" kern="1200" dirty="0"/>
         </a:p>
       </dsp:txBody>
       <dsp:txXfrm>
@@ -1782,7 +1782,7 @@
         </a:bodyPr>
         <a:lstStyle/>
         <a:p>
-          <a:pPr marL="0" lvl="0" indent="0" algn="l" defTabSz="533400">
+          <a:pPr marL="0" lvl="0" indent="0" algn="l" defTabSz="933450">
             <a:lnSpc>
               <a:spcPct val="90000"/>
             </a:lnSpc>
@@ -1795,10 +1795,10 @@
             <a:buNone/>
           </a:pPr>
           <a:r>
-            <a:rPr lang="en-GB" sz="1200" kern="1200" dirty="0"/>
+            <a:rPr lang="en-GB" sz="2100" kern="1200" dirty="0"/>
             <a:t>Learn to use Google Sheets for data entry and analysis.</a:t>
           </a:r>
-          <a:endParaRPr lang="en-US" sz="1200" kern="1200" dirty="0"/>
+          <a:endParaRPr lang="en-US" sz="2100" kern="1200" dirty="0"/>
         </a:p>
       </dsp:txBody>
       <dsp:txXfrm>
@@ -1998,7 +1998,7 @@
         </a:bodyPr>
         <a:lstStyle/>
         <a:p>
-          <a:pPr marL="0" lvl="0" indent="0" algn="l" defTabSz="533400">
+          <a:pPr marL="0" lvl="0" indent="0" algn="l" defTabSz="933450">
             <a:lnSpc>
               <a:spcPct val="90000"/>
             </a:lnSpc>
@@ -2011,10 +2011,10 @@
             <a:buNone/>
           </a:pPr>
           <a:r>
-            <a:rPr lang="en-GB" sz="1200" kern="1200" dirty="0"/>
+            <a:rPr lang="en-GB" sz="2100" kern="1200" dirty="0"/>
             <a:t>Calculate energy consumption and cost using formulas.</a:t>
           </a:r>
-          <a:endParaRPr lang="en-US" sz="1200" kern="1200" dirty="0"/>
+          <a:endParaRPr lang="en-US" sz="2100" kern="1200" dirty="0"/>
         </a:p>
       </dsp:txBody>
       <dsp:txXfrm>
@@ -3583,7 +3583,7 @@
           <a:p>
             <a:fld id="{0A75FF2A-4218-4207-8758-33DD53987466}" type="datetimeFigureOut">
               <a:rPr lang="en-GB" smtClean="0"/>
-              <a:t>29/08/2024</a:t>
+              <a:t>16/09/2024</a:t>
             </a:fld>
             <a:endParaRPr lang="en-GB"/>
           </a:p>
@@ -4264,7 +4264,7 @@
           <a:p>
             <a:fld id="{8782BF66-FA3E-4275-8173-38DF9E0C29D1}" type="slidenum">
               <a:rPr lang="en-GB" smtClean="0"/>
-              <a:t>11</a:t>
+              <a:t>10</a:t>
             </a:fld>
             <a:endParaRPr lang="en-GB"/>
           </a:p>
@@ -4274,6 +4274,90 @@
     <p:extLst>
       <p:ext uri="{BB962C8B-B14F-4D97-AF65-F5344CB8AC3E}">
         <p14:creationId xmlns:p14="http://schemas.microsoft.com/office/powerpoint/2010/main" val="3030516815"/>
+      </p:ext>
+    </p:extLst>
+  </p:cSld>
+  <p:clrMapOvr>
+    <a:masterClrMapping/>
+  </p:clrMapOvr>
+</p:notes>
+</file>
+
+<file path=ppt/notesSlides/notesSlide6.xml><?xml version="1.0" encoding="utf-8"?>
+<p:notes xmlns:a="http://schemas.openxmlformats.org/drawingml/2006/main" xmlns:r="http://schemas.openxmlformats.org/officeDocument/2006/relationships" xmlns:p="http://schemas.openxmlformats.org/presentationml/2006/main">
+  <p:cSld>
+    <p:spTree>
+      <p:nvGrpSpPr>
+        <p:cNvPr id="1" name=""/>
+        <p:cNvGrpSpPr/>
+        <p:nvPr/>
+      </p:nvGrpSpPr>
+      <p:grpSpPr>
+        <a:xfrm>
+          <a:off x="0" y="0"/>
+          <a:ext cx="0" cy="0"/>
+          <a:chOff x="0" y="0"/>
+          <a:chExt cx="0" cy="0"/>
+        </a:xfrm>
+      </p:grpSpPr>
+      <p:sp>
+        <p:nvSpPr>
+          <p:cNvPr id="2" name="Slide Image Placeholder 1"/>
+          <p:cNvSpPr>
+            <a:spLocks noGrp="1" noRot="1" noChangeAspect="1"/>
+          </p:cNvSpPr>
+          <p:nvPr>
+            <p:ph type="sldImg"/>
+          </p:nvPr>
+        </p:nvSpPr>
+        <p:spPr/>
+      </p:sp>
+      <p:sp>
+        <p:nvSpPr>
+          <p:cNvPr id="3" name="Notes Placeholder 2"/>
+          <p:cNvSpPr>
+            <a:spLocks noGrp="1"/>
+          </p:cNvSpPr>
+          <p:nvPr>
+            <p:ph type="body" idx="1"/>
+          </p:nvPr>
+        </p:nvSpPr>
+        <p:spPr/>
+        <p:txBody>
+          <a:bodyPr/>
+          <a:lstStyle/>
+          <a:p>
+            <a:endParaRPr lang="en-GB" dirty="0"/>
+          </a:p>
+        </p:txBody>
+      </p:sp>
+      <p:sp>
+        <p:nvSpPr>
+          <p:cNvPr id="4" name="Slide Number Placeholder 3"/>
+          <p:cNvSpPr>
+            <a:spLocks noGrp="1"/>
+          </p:cNvSpPr>
+          <p:nvPr>
+            <p:ph type="sldNum" sz="quarter" idx="5"/>
+          </p:nvPr>
+        </p:nvSpPr>
+        <p:spPr/>
+        <p:txBody>
+          <a:bodyPr/>
+          <a:lstStyle/>
+          <a:p>
+            <a:fld id="{8782BF66-FA3E-4275-8173-38DF9E0C29D1}" type="slidenum">
+              <a:rPr lang="en-GB" smtClean="0"/>
+              <a:t>12</a:t>
+            </a:fld>
+            <a:endParaRPr lang="en-GB"/>
+          </a:p>
+        </p:txBody>
+      </p:sp>
+    </p:spTree>
+    <p:extLst>
+      <p:ext uri="{BB962C8B-B14F-4D97-AF65-F5344CB8AC3E}">
+        <p14:creationId xmlns:p14="http://schemas.microsoft.com/office/powerpoint/2010/main" val="1586762103"/>
       </p:ext>
     </p:extLst>
   </p:cSld>
@@ -4395,7 +4479,7 @@
           <a:p>
             <a:fld id="{5DBDDF98-C922-483F-97E9-3E76B0201B42}" type="datetimeFigureOut">
               <a:rPr lang="en-US" smtClean="0"/>
-              <a:t>8/28/2024</a:t>
+              <a:t>9/16/2024</a:t>
             </a:fld>
             <a:endParaRPr lang="en-US"/>
           </a:p>
@@ -4633,7 +4717,7 @@
           <a:p>
             <a:fld id="{5DBDDF98-C922-483F-97E9-3E76B0201B42}" type="datetimeFigureOut">
               <a:rPr lang="en-US" smtClean="0"/>
-              <a:t>8/28/2024</a:t>
+              <a:t>9/16/2024</a:t>
             </a:fld>
             <a:endParaRPr lang="en-US"/>
           </a:p>
@@ -4841,7 +4925,7 @@
           <a:p>
             <a:fld id="{5DBDDF98-C922-483F-97E9-3E76B0201B42}" type="datetimeFigureOut">
               <a:rPr lang="en-US" smtClean="0"/>
-              <a:t>8/28/2024</a:t>
+              <a:t>9/16/2024</a:t>
             </a:fld>
             <a:endParaRPr lang="en-US"/>
           </a:p>
@@ -5039,7 +5123,7 @@
           <a:p>
             <a:fld id="{5DBDDF98-C922-483F-97E9-3E76B0201B42}" type="datetimeFigureOut">
               <a:rPr lang="en-US" smtClean="0"/>
-              <a:t>8/28/2024</a:t>
+              <a:t>9/16/2024</a:t>
             </a:fld>
             <a:endParaRPr lang="en-US"/>
           </a:p>
@@ -5316,7 +5400,7 @@
           <a:p>
             <a:fld id="{5DBDDF98-C922-483F-97E9-3E76B0201B42}" type="datetimeFigureOut">
               <a:rPr lang="en-US" smtClean="0"/>
-              <a:t>8/28/2024</a:t>
+              <a:t>9/16/2024</a:t>
             </a:fld>
             <a:endParaRPr lang="en-US"/>
           </a:p>
@@ -5581,7 +5665,7 @@
           <a:p>
             <a:fld id="{5DBDDF98-C922-483F-97E9-3E76B0201B42}" type="datetimeFigureOut">
               <a:rPr lang="en-US" smtClean="0"/>
-              <a:t>8/28/2024</a:t>
+              <a:t>9/16/2024</a:t>
             </a:fld>
             <a:endParaRPr lang="en-US"/>
           </a:p>
@@ -5997,7 +6081,7 @@
           <a:p>
             <a:fld id="{5DBDDF98-C922-483F-97E9-3E76B0201B42}" type="datetimeFigureOut">
               <a:rPr lang="en-US" smtClean="0"/>
-              <a:t>8/28/2024</a:t>
+              <a:t>9/16/2024</a:t>
             </a:fld>
             <a:endParaRPr lang="en-US"/>
           </a:p>
@@ -6224,7 +6308,7 @@
           <a:p>
             <a:fld id="{5DBDDF98-C922-483F-97E9-3E76B0201B42}" type="datetimeFigureOut">
               <a:rPr lang="en-US" smtClean="0"/>
-              <a:t>8/28/2024</a:t>
+              <a:t>9/16/2024</a:t>
             </a:fld>
             <a:endParaRPr lang="en-US"/>
           </a:p>
@@ -6337,7 +6421,7 @@
           <a:p>
             <a:fld id="{5DBDDF98-C922-483F-97E9-3E76B0201B42}" type="datetimeFigureOut">
               <a:rPr lang="en-US" smtClean="0"/>
-              <a:t>8/28/2024</a:t>
+              <a:t>9/16/2024</a:t>
             </a:fld>
             <a:endParaRPr lang="en-US"/>
           </a:p>
@@ -6654,7 +6738,7 @@
           <a:p>
             <a:fld id="{5DBDDF98-C922-483F-97E9-3E76B0201B42}" type="datetimeFigureOut">
               <a:rPr lang="en-US" smtClean="0"/>
-              <a:t>8/28/2024</a:t>
+              <a:t>9/16/2024</a:t>
             </a:fld>
             <a:endParaRPr lang="en-US"/>
           </a:p>
@@ -6946,7 +7030,7 @@
           <a:p>
             <a:fld id="{5DBDDF98-C922-483F-97E9-3E76B0201B42}" type="datetimeFigureOut">
               <a:rPr lang="en-US" smtClean="0"/>
-              <a:t>8/28/2024</a:t>
+              <a:t>9/16/2024</a:t>
             </a:fld>
             <a:endParaRPr lang="en-US"/>
           </a:p>
@@ -7187,7 +7271,7 @@
             <a:fld id="{5DBDDF98-C922-483F-97E9-3E76B0201B42}" type="datetimeFigureOut">
               <a:rPr lang="en-US" smtClean="0"/>
               <a:pPr/>
-              <a:t>8/28/2024</a:t>
+              <a:t>9/16/2024</a:t>
             </a:fld>
             <a:endParaRPr lang="en-US"/>
           </a:p>
@@ -7989,7 +8073,7 @@
         </p:nvSpPr>
         <p:spPr>
           <a:xfrm>
-            <a:off x="7375712" y="2033018"/>
+            <a:off x="6782303" y="1917925"/>
             <a:ext cx="4115702" cy="2116348"/>
           </a:xfrm>
           <a:noFill/>
@@ -8002,7 +8086,7 @@
           <a:p>
             <a:pPr algn="r"/>
             <a:r>
-              <a:rPr lang="en-GB">
+              <a:rPr lang="en-GB" sz="4800" dirty="0">
                 <a:solidFill>
                   <a:srgbClr val="FFFFFF"/>
                 </a:solidFill>
@@ -8037,13 +8121,13 @@
         </p:spPr>
         <p:txBody>
           <a:bodyPr anchor="b">
-            <a:normAutofit/>
+            <a:noAutofit/>
           </a:bodyPr>
           <a:lstStyle/>
           <a:p>
             <a:pPr algn="r"/>
             <a:r>
-              <a:rPr lang="en-GB" dirty="0">
+              <a:rPr lang="en-GB" sz="3200" dirty="0">
                 <a:solidFill>
                   <a:srgbClr val="FFFFFF"/>
                 </a:solidFill>
@@ -8208,103 +8292,6 @@
 <file path=ppt/slides/slide10.xml><?xml version="1.0" encoding="utf-8"?>
 <p:sld xmlns:a="http://schemas.openxmlformats.org/drawingml/2006/main" xmlns:r="http://schemas.openxmlformats.org/officeDocument/2006/relationships" xmlns:p="http://schemas.openxmlformats.org/presentationml/2006/main">
   <p:cSld>
-    <p:spTree>
-      <p:nvGrpSpPr>
-        <p:cNvPr id="1" name=""/>
-        <p:cNvGrpSpPr/>
-        <p:nvPr/>
-      </p:nvGrpSpPr>
-      <p:grpSpPr>
-        <a:xfrm>
-          <a:off x="0" y="0"/>
-          <a:ext cx="0" cy="0"/>
-          <a:chOff x="0" y="0"/>
-          <a:chExt cx="0" cy="0"/>
-        </a:xfrm>
-      </p:grpSpPr>
-      <p:sp>
-        <p:nvSpPr>
-          <p:cNvPr id="2" name="Title 1">
-            <a:extLst>
-              <a:ext uri="{FF2B5EF4-FFF2-40B4-BE49-F238E27FC236}">
-                <a16:creationId xmlns:a16="http://schemas.microsoft.com/office/drawing/2014/main" id="{638636A6-7D8E-400F-A98C-DC5F503A459F}"/>
-              </a:ext>
-            </a:extLst>
-          </p:cNvPr>
-          <p:cNvSpPr>
-            <a:spLocks noGrp="1"/>
-          </p:cNvSpPr>
-          <p:nvPr>
-            <p:ph type="title"/>
-          </p:nvPr>
-        </p:nvSpPr>
-        <p:spPr/>
-        <p:txBody>
-          <a:bodyPr/>
-          <a:lstStyle/>
-          <a:p>
-            <a:r>
-              <a:rPr lang="en-GB" sz="1800" kern="100" dirty="0">
-                <a:effectLst/>
-                <a:latin typeface="Calibri" panose="020F0502020204030204" pitchFamily="34" charset="0"/>
-                <a:ea typeface="Calibri" panose="020F0502020204030204" pitchFamily="34" charset="0"/>
-                <a:cs typeface="Times New Roman" panose="02020603050405020304" pitchFamily="18" charset="0"/>
-              </a:rPr>
-              <a:t>Create a chart comparing the energy used by each item</a:t>
-            </a:r>
-            <a:br>
-              <a:rPr lang="en-GB" sz="1800" kern="100" dirty="0">
-                <a:effectLst/>
-                <a:latin typeface="Calibri" panose="020F0502020204030204" pitchFamily="34" charset="0"/>
-                <a:ea typeface="Calibri" panose="020F0502020204030204" pitchFamily="34" charset="0"/>
-                <a:cs typeface="Times New Roman" panose="02020603050405020304" pitchFamily="18" charset="0"/>
-              </a:rPr>
-            </a:br>
-            <a:endParaRPr lang="en-GB" dirty="0"/>
-          </a:p>
-        </p:txBody>
-      </p:sp>
-      <p:sp>
-        <p:nvSpPr>
-          <p:cNvPr id="3" name="Content Placeholder 2">
-            <a:extLst>
-              <a:ext uri="{FF2B5EF4-FFF2-40B4-BE49-F238E27FC236}">
-                <a16:creationId xmlns:a16="http://schemas.microsoft.com/office/drawing/2014/main" id="{2B8B5E0C-5D3A-DB81-BBDA-2DAC5BD9690F}"/>
-              </a:ext>
-            </a:extLst>
-          </p:cNvPr>
-          <p:cNvSpPr>
-            <a:spLocks noGrp="1"/>
-          </p:cNvSpPr>
-          <p:nvPr>
-            <p:ph idx="1"/>
-          </p:nvPr>
-        </p:nvSpPr>
-        <p:spPr/>
-        <p:txBody>
-          <a:bodyPr/>
-          <a:lstStyle/>
-          <a:p>
-            <a:endParaRPr lang="en-GB"/>
-          </a:p>
-        </p:txBody>
-      </p:sp>
-    </p:spTree>
-    <p:extLst>
-      <p:ext uri="{BB962C8B-B14F-4D97-AF65-F5344CB8AC3E}">
-        <p14:creationId xmlns:p14="http://schemas.microsoft.com/office/powerpoint/2010/main" val="2071641478"/>
-      </p:ext>
-    </p:extLst>
-  </p:cSld>
-  <p:clrMapOvr>
-    <a:masterClrMapping/>
-  </p:clrMapOvr>
-</p:sld>
-</file>
-
-<file path=ppt/slides/slide11.xml><?xml version="1.0" encoding="utf-8"?>
-<p:sld xmlns:a="http://schemas.openxmlformats.org/drawingml/2006/main" xmlns:r="http://schemas.openxmlformats.org/officeDocument/2006/relationships" xmlns:p="http://schemas.openxmlformats.org/presentationml/2006/main">
-  <p:cSld>
     <p:bg>
       <p:bgPr>
         <a:solidFill>
@@ -8329,10 +8316,10 @@
       </p:grpSpPr>
       <p:sp useBgFill="1">
         <p:nvSpPr>
-          <p:cNvPr id="9" name="Rectangle 8">
+          <p:cNvPr id="2055" name="Rectangle 2054">
             <a:extLst>
               <a:ext uri="{FF2B5EF4-FFF2-40B4-BE49-F238E27FC236}">
-                <a16:creationId xmlns:a16="http://schemas.microsoft.com/office/drawing/2014/main" id="{580CCD56-C12A-7636-D7A1-B201A297A205}"/>
+                <a16:creationId xmlns:a16="http://schemas.microsoft.com/office/drawing/2014/main" id="{2D0267C2-9A87-5888-0384-969AD9365463}"/>
               </a:ext>
               <a:ext uri="{C183D7F6-B498-43B3-948B-1728B52AA6E4}">
                 <adec:decorative xmlns:adec="http://schemas.microsoft.com/office/drawing/2017/decorative" val="1"/>
@@ -8405,59 +8392,10 @@
       </p:sp>
       <p:sp>
         <p:nvSpPr>
-          <p:cNvPr id="2" name="Title 1">
+          <p:cNvPr id="2057" name="Rectangle 2056">
             <a:extLst>
               <a:ext uri="{FF2B5EF4-FFF2-40B4-BE49-F238E27FC236}">
-                <a16:creationId xmlns:a16="http://schemas.microsoft.com/office/drawing/2014/main" id="{3E9A0F30-3D65-653E-0099-597CF047066B}"/>
-              </a:ext>
-            </a:extLst>
-          </p:cNvPr>
-          <p:cNvSpPr>
-            <a:spLocks noGrp="1"/>
-          </p:cNvSpPr>
-          <p:nvPr>
-            <p:ph type="title"/>
-          </p:nvPr>
-        </p:nvSpPr>
-        <p:spPr>
-          <a:xfrm>
-            <a:off x="963618" y="1544715"/>
-            <a:ext cx="5863902" cy="3865485"/>
-          </a:xfrm>
-          <a:noFill/>
-        </p:spPr>
-        <p:txBody>
-          <a:bodyPr vert="horz" lIns="91440" tIns="45720" rIns="91440" bIns="45720" rtlCol="0" anchor="ctr">
-            <a:normAutofit/>
-          </a:bodyPr>
-          <a:lstStyle/>
-          <a:p>
-            <a:pPr>
-              <a:lnSpc>
-                <a:spcPct val="110000"/>
-              </a:lnSpc>
-            </a:pPr>
-            <a:r>
-              <a:rPr lang="en-US" sz="1300" spc="530" dirty="0"/>
-              <a:t>Calculate the cost of each item and the total estimated cost. The cost p/</a:t>
-            </a:r>
-            <a:r>
-              <a:rPr lang="en-US" sz="1300" spc="530" dirty="0" err="1"/>
-              <a:t>kWH</a:t>
-            </a:r>
-            <a:r>
-              <a:rPr lang="en-US" sz="1300" spc="530" dirty="0"/>
-              <a:t> can be found Online</a:t>
-            </a:r>
-          </a:p>
-        </p:txBody>
-      </p:sp>
-      <p:sp>
-        <p:nvSpPr>
-          <p:cNvPr id="11" name="Rectangle 10">
-            <a:extLst>
-              <a:ext uri="{FF2B5EF4-FFF2-40B4-BE49-F238E27FC236}">
-                <a16:creationId xmlns:a16="http://schemas.microsoft.com/office/drawing/2014/main" id="{69BF1304-E737-5526-8D54-07AEF355283E}"/>
+                <a16:creationId xmlns:a16="http://schemas.microsoft.com/office/drawing/2014/main" id="{E4AEFA6A-E623-CF1A-3DDF-C38D3A7E2CE2}"/>
               </a:ext>
               <a:ext uri="{C183D7F6-B498-43B3-948B-1728B52AA6E4}">
                 <adec:decorative xmlns:adec="http://schemas.microsoft.com/office/drawing/2017/decorative" val="1"/>
@@ -8477,13 +8415,18 @@
         </p:nvSpPr>
         <p:spPr>
           <a:xfrm>
-            <a:off x="7381040" y="952500"/>
-            <a:ext cx="3862085" cy="4953001"/>
+            <a:off x="952500" y="952499"/>
+            <a:ext cx="5602755" cy="4955827"/>
           </a:xfrm>
           <a:prstGeom prst="rect">
             <a:avLst/>
           </a:prstGeom>
           <a:noFill/>
+          <a:ln w="12700">
+            <a:solidFill>
+              <a:schemeClr val="tx1"/>
+            </a:solidFill>
+          </a:ln>
         </p:spPr>
         <p:style>
           <a:lnRef idx="2">
@@ -8510,17 +8453,65 @@
           </a:p>
         </p:txBody>
       </p:sp>
+      <p:sp>
+        <p:nvSpPr>
+          <p:cNvPr id="2" name="Title 1">
+            <a:extLst>
+              <a:ext uri="{FF2B5EF4-FFF2-40B4-BE49-F238E27FC236}">
+                <a16:creationId xmlns:a16="http://schemas.microsoft.com/office/drawing/2014/main" id="{3E9A0F30-3D65-653E-0099-597CF047066B}"/>
+              </a:ext>
+            </a:extLst>
+          </p:cNvPr>
+          <p:cNvSpPr>
+            <a:spLocks noGrp="1"/>
+          </p:cNvSpPr>
+          <p:nvPr>
+            <p:ph type="title"/>
+          </p:nvPr>
+        </p:nvSpPr>
+        <p:spPr>
+          <a:xfrm>
+            <a:off x="1090003" y="2393835"/>
+            <a:ext cx="5139812" cy="2070330"/>
+          </a:xfrm>
+        </p:spPr>
+        <p:txBody>
+          <a:bodyPr vert="horz" lIns="91440" tIns="45720" rIns="91440" bIns="45720" rtlCol="0" anchor="b">
+            <a:noAutofit/>
+          </a:bodyPr>
+          <a:lstStyle/>
+          <a:p>
+            <a:pPr>
+              <a:lnSpc>
+                <a:spcPct val="110000"/>
+              </a:lnSpc>
+            </a:pPr>
+            <a:r>
+              <a:rPr lang="en-US" spc="530" dirty="0"/>
+              <a:t>Calculate the cost of each item and the total estimated cost. The cost p/</a:t>
+            </a:r>
+            <a:r>
+              <a:rPr lang="en-US" spc="530" dirty="0" err="1"/>
+              <a:t>kWH</a:t>
+            </a:r>
+            <a:r>
+              <a:rPr lang="en-US" spc="530" dirty="0"/>
+              <a:t> can be found Online</a:t>
+            </a:r>
+          </a:p>
+        </p:txBody>
+      </p:sp>
       <p:pic>
         <p:nvPicPr>
-          <p:cNvPr id="6" name="Graphic 5" descr="Dollar">
+          <p:cNvPr id="2050" name="Picture 2" descr="How to Communicate Rising Energy Costs to Customers - Questline Digital">
             <a:extLst>
               <a:ext uri="{FF2B5EF4-FFF2-40B4-BE49-F238E27FC236}">
-                <a16:creationId xmlns:a16="http://schemas.microsoft.com/office/drawing/2014/main" id="{8362430D-9DA1-AD5F-B698-984139459A6C}"/>
+                <a16:creationId xmlns:a16="http://schemas.microsoft.com/office/drawing/2014/main" id="{18E1BAB5-8EDB-CBDC-0E8B-FCC08EB3BDC1}"/>
               </a:ext>
             </a:extLst>
           </p:cNvPr>
           <p:cNvPicPr>
-            <a:picLocks noChangeAspect="1"/>
+            <a:picLocks noChangeAspect="1" noChangeArrowheads="1"/>
           </p:cNvPicPr>
           <p:nvPr/>
         </p:nvPicPr>
@@ -8530,23 +8521,29 @@
               <a:ext uri="{28A0092B-C50C-407E-A947-70E740481C1C}">
                 <a14:useLocalDpi xmlns:a14="http://schemas.microsoft.com/office/drawing/2010/main" val="0"/>
               </a:ext>
-              <a:ext uri="{96DAC541-7B7A-43D3-8B79-37D633B846F1}">
-                <asvg:svgBlip xmlns:asvg="http://schemas.microsoft.com/office/drawing/2016/SVG/main" r:embed="rId4"/>
-              </a:ext>
             </a:extLst>
           </a:blip>
-          <a:stretch>
-            <a:fillRect/>
-          </a:stretch>
+          <a:srcRect l="32471" r="40025" b="-1"/>
+          <a:stretch/>
         </p:blipFill>
-        <p:spPr>
+        <p:spPr bwMode="auto">
           <a:xfrm>
-            <a:off x="6518162" y="1675948"/>
-            <a:ext cx="3506104" cy="3506104"/>
+            <a:off x="7534655" y="10"/>
+            <a:ext cx="4657346" cy="6857990"/>
           </a:xfrm>
           <a:prstGeom prst="rect">
             <a:avLst/>
           </a:prstGeom>
+          <a:noFill/>
+          <a:extLst>
+            <a:ext uri="{909E8E84-426E-40DD-AFC4-6F175D3DCCD1}">
+              <a14:hiddenFill xmlns:a14="http://schemas.microsoft.com/office/drawing/2010/main">
+                <a:solidFill>
+                  <a:srgbClr val="FFFFFF"/>
+                </a:solidFill>
+              </a14:hiddenFill>
+            </a:ext>
+          </a:extLst>
         </p:spPr>
       </p:pic>
       <p:sp>
@@ -8594,7 +8591,7 @@
 </p:sld>
 </file>
 
-<file path=ppt/slides/slide12.xml><?xml version="1.0" encoding="utf-8"?>
+<file path=ppt/slides/slide11.xml><?xml version="1.0" encoding="utf-8"?>
 <p:sld xmlns:a="http://schemas.openxmlformats.org/drawingml/2006/main" xmlns:r="http://schemas.openxmlformats.org/officeDocument/2006/relationships" xmlns:p="http://schemas.openxmlformats.org/presentationml/2006/main">
   <p:cSld>
     <p:spTree>
@@ -8663,22 +8660,22 @@
           <a:lstStyle/>
           <a:p>
             <a:r>
-              <a:rPr lang="en-GB" sz="2400" dirty="0"/>
+              <a:rPr lang="en-GB" sz="3200" dirty="0"/>
               <a:t>Power (W) /1000 = Power (KW)</a:t>
             </a:r>
           </a:p>
           <a:p>
             <a:r>
-              <a:rPr lang="en-GB" sz="2400" dirty="0"/>
+              <a:rPr lang="en-GB" sz="3200" dirty="0"/>
               <a:t>Time(S)/3600 = Time(Hours)</a:t>
             </a:r>
           </a:p>
           <a:p>
             <a:r>
-              <a:rPr lang="en-AU" sz="2400" dirty="0"/>
+              <a:rPr lang="en-AU" sz="3200" dirty="0"/>
               <a:t>Cost Formula: Cost = Power (kW) * Time (hours) * Price (per kWh).</a:t>
             </a:r>
-            <a:endParaRPr lang="en-GB" sz="2400" dirty="0"/>
+            <a:endParaRPr lang="en-GB" sz="3200" dirty="0"/>
           </a:p>
         </p:txBody>
       </p:sp>
@@ -8695,172 +8692,7 @@
 </p:sld>
 </file>
 
-<file path=ppt/slides/slide13.xml><?xml version="1.0" encoding="utf-8"?>
-<p:sld xmlns:a="http://schemas.openxmlformats.org/drawingml/2006/main" xmlns:r="http://schemas.openxmlformats.org/officeDocument/2006/relationships" xmlns:p="http://schemas.openxmlformats.org/presentationml/2006/main">
-  <p:cSld>
-    <p:spTree>
-      <p:nvGrpSpPr>
-        <p:cNvPr id="1" name=""/>
-        <p:cNvGrpSpPr/>
-        <p:nvPr/>
-      </p:nvGrpSpPr>
-      <p:grpSpPr>
-        <a:xfrm>
-          <a:off x="0" y="0"/>
-          <a:ext cx="0" cy="0"/>
-          <a:chOff x="0" y="0"/>
-          <a:chExt cx="0" cy="0"/>
-        </a:xfrm>
-      </p:grpSpPr>
-      <p:sp>
-        <p:nvSpPr>
-          <p:cNvPr id="2" name="Title 1">
-            <a:extLst>
-              <a:ext uri="{FF2B5EF4-FFF2-40B4-BE49-F238E27FC236}">
-                <a16:creationId xmlns:a16="http://schemas.microsoft.com/office/drawing/2014/main" id="{C46363F8-5D34-03FA-5916-38854E3D1447}"/>
-              </a:ext>
-            </a:extLst>
-          </p:cNvPr>
-          <p:cNvSpPr>
-            <a:spLocks noGrp="1"/>
-          </p:cNvSpPr>
-          <p:nvPr>
-            <p:ph type="title"/>
-          </p:nvPr>
-        </p:nvSpPr>
-        <p:spPr/>
-        <p:txBody>
-          <a:bodyPr/>
-          <a:lstStyle/>
-          <a:p>
-            <a:r>
-              <a:rPr lang="en-GB" dirty="0"/>
-              <a:t>Discussion</a:t>
-            </a:r>
-          </a:p>
-        </p:txBody>
-      </p:sp>
-      <p:sp>
-        <p:nvSpPr>
-          <p:cNvPr id="3" name="Content Placeholder 2">
-            <a:extLst>
-              <a:ext uri="{FF2B5EF4-FFF2-40B4-BE49-F238E27FC236}">
-                <a16:creationId xmlns:a16="http://schemas.microsoft.com/office/drawing/2014/main" id="{0FF5EF0B-32CD-ED80-BF6E-9A83586FFE06}"/>
-              </a:ext>
-            </a:extLst>
-          </p:cNvPr>
-          <p:cNvSpPr>
-            <a:spLocks noGrp="1"/>
-          </p:cNvSpPr>
-          <p:nvPr>
-            <p:ph idx="1"/>
-          </p:nvPr>
-        </p:nvSpPr>
-        <p:spPr/>
-        <p:txBody>
-          <a:bodyPr>
-            <a:normAutofit/>
-          </a:bodyPr>
-          <a:lstStyle/>
-          <a:p>
-            <a:r>
-              <a:rPr lang="en-AU" sz="3600" dirty="0">
-                <a:effectLst/>
-                <a:latin typeface="Times New Roman" panose="02020603050405020304" pitchFamily="18" charset="0"/>
-                <a:ea typeface="Times New Roman" panose="02020603050405020304" pitchFamily="18" charset="0"/>
-              </a:rPr>
-              <a:t>How can you keep energy use down?</a:t>
-            </a:r>
-            <a:endParaRPr lang="en-GB" sz="3600" dirty="0"/>
-          </a:p>
-        </p:txBody>
-      </p:sp>
-    </p:spTree>
-    <p:extLst>
-      <p:ext uri="{BB962C8B-B14F-4D97-AF65-F5344CB8AC3E}">
-        <p14:creationId xmlns:p14="http://schemas.microsoft.com/office/powerpoint/2010/main" val="2536217735"/>
-      </p:ext>
-    </p:extLst>
-  </p:cSld>
-  <p:clrMapOvr>
-    <a:masterClrMapping/>
-  </p:clrMapOvr>
-</p:sld>
-</file>
-
-<file path=ppt/slides/slide14.xml><?xml version="1.0" encoding="utf-8"?>
-<p:sld xmlns:a="http://schemas.openxmlformats.org/drawingml/2006/main" xmlns:r="http://schemas.openxmlformats.org/officeDocument/2006/relationships" xmlns:p="http://schemas.openxmlformats.org/presentationml/2006/main">
-  <p:cSld>
-    <p:spTree>
-      <p:nvGrpSpPr>
-        <p:cNvPr id="1" name=""/>
-        <p:cNvGrpSpPr/>
-        <p:nvPr/>
-      </p:nvGrpSpPr>
-      <p:grpSpPr>
-        <a:xfrm>
-          <a:off x="0" y="0"/>
-          <a:ext cx="0" cy="0"/>
-          <a:chOff x="0" y="0"/>
-          <a:chExt cx="0" cy="0"/>
-        </a:xfrm>
-      </p:grpSpPr>
-      <p:sp>
-        <p:nvSpPr>
-          <p:cNvPr id="2" name="Title 1">
-            <a:extLst>
-              <a:ext uri="{FF2B5EF4-FFF2-40B4-BE49-F238E27FC236}">
-                <a16:creationId xmlns:a16="http://schemas.microsoft.com/office/drawing/2014/main" id="{64EC7791-C811-83E5-8B6A-B414505A7C84}"/>
-              </a:ext>
-            </a:extLst>
-          </p:cNvPr>
-          <p:cNvSpPr>
-            <a:spLocks noGrp="1"/>
-          </p:cNvSpPr>
-          <p:nvPr>
-            <p:ph type="title"/>
-          </p:nvPr>
-        </p:nvSpPr>
-        <p:spPr>
-          <a:xfrm>
-            <a:off x="1295400" y="2774156"/>
-            <a:ext cx="9601200" cy="1309687"/>
-          </a:xfrm>
-        </p:spPr>
-        <p:txBody>
-          <a:bodyPr>
-            <a:normAutofit/>
-          </a:bodyPr>
-          <a:lstStyle/>
-          <a:p>
-            <a:pPr algn="ctr"/>
-            <a:r>
-              <a:rPr lang="en-GB" sz="2000" dirty="0">
-                <a:effectLst/>
-                <a:latin typeface="Calibri" panose="020F0502020204030204" pitchFamily="34" charset="0"/>
-                <a:ea typeface="Calibri" panose="020F0502020204030204" pitchFamily="34" charset="0"/>
-                <a:cs typeface="Times New Roman" panose="02020603050405020304" pitchFamily="18" charset="0"/>
-              </a:rPr>
-              <a:t>Extension : Create a Pie chart comparing the energy used in each area</a:t>
-            </a:r>
-            <a:endParaRPr lang="en-GB" sz="3200" dirty="0"/>
-          </a:p>
-        </p:txBody>
-      </p:sp>
-    </p:spTree>
-    <p:extLst>
-      <p:ext uri="{BB962C8B-B14F-4D97-AF65-F5344CB8AC3E}">
-        <p14:creationId xmlns:p14="http://schemas.microsoft.com/office/powerpoint/2010/main" val="2001034293"/>
-      </p:ext>
-    </p:extLst>
-  </p:cSld>
-  <p:clrMapOvr>
-    <a:masterClrMapping/>
-  </p:clrMapOvr>
-</p:sld>
-</file>
-
-<file path=ppt/slides/slide2.xml><?xml version="1.0" encoding="utf-8"?>
+<file path=ppt/slides/slide12.xml><?xml version="1.0" encoding="utf-8"?>
 <p:sld xmlns:a="http://schemas.openxmlformats.org/drawingml/2006/main" xmlns:r="http://schemas.openxmlformats.org/officeDocument/2006/relationships" xmlns:p="http://schemas.openxmlformats.org/presentationml/2006/main">
   <p:cSld>
     <p:bg>
@@ -8887,10 +8719,10 @@
       </p:grpSpPr>
       <p:sp useBgFill="1">
         <p:nvSpPr>
-          <p:cNvPr id="9" name="Rectangle 8">
+          <p:cNvPr id="3079" name="Rectangle 3078">
             <a:extLst>
               <a:ext uri="{FF2B5EF4-FFF2-40B4-BE49-F238E27FC236}">
-                <a16:creationId xmlns:a16="http://schemas.microsoft.com/office/drawing/2014/main" id="{436866BF-907B-F3CF-1C75-682CE4654ACA}"/>
+                <a16:creationId xmlns:a16="http://schemas.microsoft.com/office/drawing/2014/main" id="{2D0267C2-9A87-5888-0384-969AD9365463}"/>
               </a:ext>
               <a:ext uri="{C183D7F6-B498-43B3-948B-1728B52AA6E4}">
                 <adec:decorative xmlns:adec="http://schemas.microsoft.com/office/drawing/2017/decorative" val="1"/>
@@ -8963,6 +8795,863 @@
       </p:sp>
       <p:sp>
         <p:nvSpPr>
+          <p:cNvPr id="3081" name="Rectangle 3080">
+            <a:extLst>
+              <a:ext uri="{FF2B5EF4-FFF2-40B4-BE49-F238E27FC236}">
+                <a16:creationId xmlns:a16="http://schemas.microsoft.com/office/drawing/2014/main" id="{E4AEFA6A-E623-CF1A-3DDF-C38D3A7E2CE2}"/>
+              </a:ext>
+              <a:ext uri="{C183D7F6-B498-43B3-948B-1728B52AA6E4}">
+                <adec:decorative xmlns:adec="http://schemas.microsoft.com/office/drawing/2017/decorative" val="1"/>
+              </a:ext>
+            </a:extLst>
+          </p:cNvPr>
+          <p:cNvSpPr>
+            <a:spLocks noGrp="1" noRot="1" noChangeAspect="1" noMove="1" noResize="1" noEditPoints="1" noAdjustHandles="1" noChangeArrowheads="1" noChangeShapeType="1" noTextEdit="1"/>
+          </p:cNvSpPr>
+          <p:nvPr>
+            <p:extLst>
+              <p:ext uri="{386F3935-93C4-4BCD-93E2-E3B085C9AB24}">
+                <p16:designElem xmlns:p16="http://schemas.microsoft.com/office/powerpoint/2015/main" val="1"/>
+              </p:ext>
+            </p:extLst>
+          </p:nvPr>
+        </p:nvSpPr>
+        <p:spPr>
+          <a:xfrm>
+            <a:off x="952500" y="952499"/>
+            <a:ext cx="5602755" cy="4955827"/>
+          </a:xfrm>
+          <a:prstGeom prst="rect">
+            <a:avLst/>
+          </a:prstGeom>
+          <a:noFill/>
+          <a:ln w="12700">
+            <a:solidFill>
+              <a:schemeClr val="tx1"/>
+            </a:solidFill>
+          </a:ln>
+        </p:spPr>
+        <p:style>
+          <a:lnRef idx="2">
+            <a:schemeClr val="accent1">
+              <a:shade val="50000"/>
+            </a:schemeClr>
+          </a:lnRef>
+          <a:fillRef idx="1">
+            <a:schemeClr val="accent1"/>
+          </a:fillRef>
+          <a:effectRef idx="0">
+            <a:schemeClr val="accent1"/>
+          </a:effectRef>
+          <a:fontRef idx="minor">
+            <a:schemeClr val="lt1"/>
+          </a:fontRef>
+        </p:style>
+        <p:txBody>
+          <a:bodyPr rtlCol="0" anchor="ctr"/>
+          <a:lstStyle/>
+          <a:p>
+            <a:pPr algn="ctr"/>
+            <a:endParaRPr lang="en-US"/>
+          </a:p>
+        </p:txBody>
+      </p:sp>
+      <p:sp>
+        <p:nvSpPr>
+          <p:cNvPr id="2" name="Title 1">
+            <a:extLst>
+              <a:ext uri="{FF2B5EF4-FFF2-40B4-BE49-F238E27FC236}">
+                <a16:creationId xmlns:a16="http://schemas.microsoft.com/office/drawing/2014/main" id="{C46363F8-5D34-03FA-5916-38854E3D1447}"/>
+              </a:ext>
+            </a:extLst>
+          </p:cNvPr>
+          <p:cNvSpPr>
+            <a:spLocks noGrp="1"/>
+          </p:cNvSpPr>
+          <p:nvPr>
+            <p:ph type="title"/>
+          </p:nvPr>
+        </p:nvSpPr>
+        <p:spPr>
+          <a:xfrm>
+            <a:off x="1183971" y="1252063"/>
+            <a:ext cx="5139812" cy="624247"/>
+          </a:xfrm>
+        </p:spPr>
+        <p:txBody>
+          <a:bodyPr vert="horz" lIns="91440" tIns="45720" rIns="91440" bIns="45720" rtlCol="0" anchor="b">
+            <a:normAutofit fontScale="90000"/>
+          </a:bodyPr>
+          <a:lstStyle/>
+          <a:p>
+            <a:r>
+              <a:rPr lang="en-US" sz="3200" spc="530" dirty="0"/>
+              <a:t>Discussion</a:t>
+            </a:r>
+          </a:p>
+        </p:txBody>
+      </p:sp>
+      <p:sp>
+        <p:nvSpPr>
+          <p:cNvPr id="3" name="Content Placeholder 2">
+            <a:extLst>
+              <a:ext uri="{FF2B5EF4-FFF2-40B4-BE49-F238E27FC236}">
+                <a16:creationId xmlns:a16="http://schemas.microsoft.com/office/drawing/2014/main" id="{0FF5EF0B-32CD-ED80-BF6E-9A83586FFE06}"/>
+              </a:ext>
+            </a:extLst>
+          </p:cNvPr>
+          <p:cNvSpPr>
+            <a:spLocks noGrp="1"/>
+          </p:cNvSpPr>
+          <p:nvPr>
+            <p:ph idx="1"/>
+          </p:nvPr>
+        </p:nvSpPr>
+        <p:spPr>
+          <a:xfrm>
+            <a:off x="1183971" y="2384609"/>
+            <a:ext cx="4482952" cy="624246"/>
+          </a:xfrm>
+        </p:spPr>
+        <p:txBody>
+          <a:bodyPr vert="horz" lIns="91440" tIns="45720" rIns="91440" bIns="45720" rtlCol="0" anchor="t">
+            <a:noAutofit/>
+          </a:bodyPr>
+          <a:lstStyle/>
+          <a:p>
+            <a:pPr marL="0" indent="0">
+              <a:buNone/>
+            </a:pPr>
+            <a:r>
+              <a:rPr lang="en-US" sz="3000" dirty="0">
+                <a:effectLst/>
+              </a:rPr>
+              <a:t>How can you keep your energy use down?</a:t>
+            </a:r>
+            <a:endParaRPr lang="en-US" sz="3000" dirty="0"/>
+          </a:p>
+        </p:txBody>
+      </p:sp>
+      <p:pic>
+        <p:nvPicPr>
+          <p:cNvPr id="3074" name="Picture 2" descr="Sustainability concept. Energy saving. Tiny people unplug appliances and use  energy saving light bulb. Reduce energy consumption at home. Modern flat  cartoon style. Vector illustration 26994639 Vector Art at Vecteezy">
+            <a:extLst>
+              <a:ext uri="{FF2B5EF4-FFF2-40B4-BE49-F238E27FC236}">
+                <a16:creationId xmlns:a16="http://schemas.microsoft.com/office/drawing/2014/main" id="{139F8B61-FC86-1246-E037-14CC9B2DF699}"/>
+              </a:ext>
+            </a:extLst>
+          </p:cNvPr>
+          <p:cNvPicPr>
+            <a:picLocks noChangeAspect="1" noChangeArrowheads="1"/>
+          </p:cNvPicPr>
+          <p:nvPr/>
+        </p:nvPicPr>
+        <p:blipFill>
+          <a:blip r:embed="rId3">
+            <a:extLst>
+              <a:ext uri="{28A0092B-C50C-407E-A947-70E740481C1C}">
+                <a14:useLocalDpi xmlns:a14="http://schemas.microsoft.com/office/drawing/2010/main" val="0"/>
+              </a:ext>
+            </a:extLst>
+          </a:blip>
+          <a:srcRect l="29675" r="23635" b="-1"/>
+          <a:stretch/>
+        </p:blipFill>
+        <p:spPr bwMode="auto">
+          <a:xfrm>
+            <a:off x="7534655" y="10"/>
+            <a:ext cx="4657346" cy="6857990"/>
+          </a:xfrm>
+          <a:prstGeom prst="rect">
+            <a:avLst/>
+          </a:prstGeom>
+          <a:noFill/>
+          <a:extLst>
+            <a:ext uri="{909E8E84-426E-40DD-AFC4-6F175D3DCCD1}">
+              <a14:hiddenFill xmlns:a14="http://schemas.microsoft.com/office/drawing/2010/main">
+                <a:solidFill>
+                  <a:srgbClr val="FFFFFF"/>
+                </a:solidFill>
+              </a14:hiddenFill>
+            </a:ext>
+          </a:extLst>
+        </p:spPr>
+      </p:pic>
+    </p:spTree>
+    <p:extLst>
+      <p:ext uri="{BB962C8B-B14F-4D97-AF65-F5344CB8AC3E}">
+        <p14:creationId xmlns:p14="http://schemas.microsoft.com/office/powerpoint/2010/main" val="2536217735"/>
+      </p:ext>
+    </p:extLst>
+  </p:cSld>
+  <p:clrMapOvr>
+    <a:masterClrMapping/>
+  </p:clrMapOvr>
+  <p:timing>
+    <p:tnLst>
+      <p:par>
+        <p:cTn id="1" dur="indefinite" restart="never" nodeType="tmRoot">
+          <p:childTnLst>
+            <p:seq concurrent="1" nextAc="seek">
+              <p:cTn id="2" dur="indefinite" nodeType="mainSeq">
+                <p:childTnLst>
+                  <p:par>
+                    <p:cTn id="3" fill="hold">
+                      <p:stCondLst>
+                        <p:cond delay="indefinite"/>
+                        <p:cond evt="onBegin" delay="0">
+                          <p:tn val="2"/>
+                        </p:cond>
+                      </p:stCondLst>
+                      <p:childTnLst>
+                        <p:par>
+                          <p:cTn id="4" fill="hold">
+                            <p:stCondLst>
+                              <p:cond delay="0"/>
+                            </p:stCondLst>
+                            <p:childTnLst>
+                              <p:par>
+                                <p:cTn id="5" presetID="10" presetClass="entr" presetSubtype="0" fill="hold" grpId="0" nodeType="withEffect">
+                                  <p:stCondLst>
+                                    <p:cond delay="1000"/>
+                                  </p:stCondLst>
+                                  <p:iterate>
+                                    <p:tmPct val="10000"/>
+                                  </p:iterate>
+                                  <p:childTnLst>
+                                    <p:set>
+                                      <p:cBhvr>
+                                        <p:cTn id="6" dur="1" fill="hold">
+                                          <p:stCondLst>
+                                            <p:cond delay="0"/>
+                                          </p:stCondLst>
+                                        </p:cTn>
+                                        <p:tgtEl>
+                                          <p:spTgt spid="2"/>
+                                        </p:tgtEl>
+                                        <p:attrNameLst>
+                                          <p:attrName>style.visibility</p:attrName>
+                                        </p:attrNameLst>
+                                      </p:cBhvr>
+                                      <p:to>
+                                        <p:strVal val="visible"/>
+                                      </p:to>
+                                    </p:set>
+                                    <p:animEffect transition="in" filter="fade">
+                                      <p:cBhvr>
+                                        <p:cTn id="7" dur="700"/>
+                                        <p:tgtEl>
+                                          <p:spTgt spid="2"/>
+                                        </p:tgtEl>
+                                      </p:cBhvr>
+                                    </p:animEffect>
+                                  </p:childTnLst>
+                                </p:cTn>
+                              </p:par>
+                            </p:childTnLst>
+                          </p:cTn>
+                        </p:par>
+                      </p:childTnLst>
+                    </p:cTn>
+                  </p:par>
+                </p:childTnLst>
+              </p:cTn>
+              <p:prevCondLst>
+                <p:cond evt="onPrev" delay="0">
+                  <p:tgtEl>
+                    <p:sldTgt/>
+                  </p:tgtEl>
+                </p:cond>
+              </p:prevCondLst>
+              <p:nextCondLst>
+                <p:cond evt="onNext" delay="0">
+                  <p:tgtEl>
+                    <p:sldTgt/>
+                  </p:tgtEl>
+                </p:cond>
+              </p:nextCondLst>
+            </p:seq>
+          </p:childTnLst>
+        </p:cTn>
+      </p:par>
+    </p:tnLst>
+    <p:bldLst>
+      <p:bldP spid="2" grpId="0"/>
+    </p:bldLst>
+  </p:timing>
+</p:sld>
+</file>
+
+<file path=ppt/slides/slide13.xml><?xml version="1.0" encoding="utf-8"?>
+<p:sld xmlns:a="http://schemas.openxmlformats.org/drawingml/2006/main" xmlns:r="http://schemas.openxmlformats.org/officeDocument/2006/relationships" xmlns:p="http://schemas.openxmlformats.org/presentationml/2006/main">
+  <p:cSld>
+    <p:spTree>
+      <p:nvGrpSpPr>
+        <p:cNvPr id="1" name=""/>
+        <p:cNvGrpSpPr/>
+        <p:nvPr/>
+      </p:nvGrpSpPr>
+      <p:grpSpPr>
+        <a:xfrm>
+          <a:off x="0" y="0"/>
+          <a:ext cx="0" cy="0"/>
+          <a:chOff x="0" y="0"/>
+          <a:chExt cx="0" cy="0"/>
+        </a:xfrm>
+      </p:grpSpPr>
+      <p:sp>
+        <p:nvSpPr>
+          <p:cNvPr id="2" name="Title 1">
+            <a:extLst>
+              <a:ext uri="{FF2B5EF4-FFF2-40B4-BE49-F238E27FC236}">
+                <a16:creationId xmlns:a16="http://schemas.microsoft.com/office/drawing/2014/main" id="{64EC7791-C811-83E5-8B6A-B414505A7C84}"/>
+              </a:ext>
+            </a:extLst>
+          </p:cNvPr>
+          <p:cNvSpPr>
+            <a:spLocks noGrp="1"/>
+          </p:cNvSpPr>
+          <p:nvPr>
+            <p:ph type="title"/>
+          </p:nvPr>
+        </p:nvSpPr>
+        <p:spPr>
+          <a:xfrm>
+            <a:off x="1295400" y="1659034"/>
+            <a:ext cx="9601200" cy="2589581"/>
+          </a:xfrm>
+        </p:spPr>
+        <p:txBody>
+          <a:bodyPr>
+            <a:normAutofit/>
+          </a:bodyPr>
+          <a:lstStyle/>
+          <a:p>
+            <a:pPr algn="ctr"/>
+            <a:r>
+              <a:rPr lang="en-GB" sz="3200" dirty="0">
+                <a:effectLst/>
+                <a:latin typeface="Calibri" panose="020F0502020204030204" pitchFamily="34" charset="0"/>
+                <a:ea typeface="Calibri" panose="020F0502020204030204" pitchFamily="34" charset="0"/>
+                <a:cs typeface="Times New Roman" panose="02020603050405020304" pitchFamily="18" charset="0"/>
+              </a:rPr>
+              <a:t>Extension : Create a Pie chart comparing the energy used in each area of the house</a:t>
+            </a:r>
+            <a:endParaRPr lang="en-GB" sz="4400" dirty="0"/>
+          </a:p>
+        </p:txBody>
+      </p:sp>
+    </p:spTree>
+    <p:extLst>
+      <p:ext uri="{BB962C8B-B14F-4D97-AF65-F5344CB8AC3E}">
+        <p14:creationId xmlns:p14="http://schemas.microsoft.com/office/powerpoint/2010/main" val="2001034293"/>
+      </p:ext>
+    </p:extLst>
+  </p:cSld>
+  <p:clrMapOvr>
+    <a:masterClrMapping/>
+  </p:clrMapOvr>
+</p:sld>
+</file>
+
+<file path=ppt/slides/slide14.xml><?xml version="1.0" encoding="utf-8"?>
+<p:sld xmlns:a="http://schemas.openxmlformats.org/drawingml/2006/main" xmlns:r="http://schemas.openxmlformats.org/officeDocument/2006/relationships" xmlns:p="http://schemas.openxmlformats.org/presentationml/2006/main">
+  <p:cSld>
+    <p:bg>
+      <p:bgPr>
+        <a:solidFill>
+          <a:schemeClr val="bg2"/>
+        </a:solidFill>
+        <a:effectLst/>
+      </p:bgPr>
+    </p:bg>
+    <p:spTree>
+      <p:nvGrpSpPr>
+        <p:cNvPr id="1" name=""/>
+        <p:cNvGrpSpPr/>
+        <p:nvPr/>
+      </p:nvGrpSpPr>
+      <p:grpSpPr>
+        <a:xfrm>
+          <a:off x="0" y="0"/>
+          <a:ext cx="0" cy="0"/>
+          <a:chOff x="0" y="0"/>
+          <a:chExt cx="0" cy="0"/>
+        </a:xfrm>
+      </p:grpSpPr>
+      <p:sp useBgFill="1">
+        <p:nvSpPr>
+          <p:cNvPr id="1038" name="Rectangle 1037">
+            <a:extLst>
+              <a:ext uri="{FF2B5EF4-FFF2-40B4-BE49-F238E27FC236}">
+                <a16:creationId xmlns:a16="http://schemas.microsoft.com/office/drawing/2014/main" id="{FAFDCCA3-5CE7-058C-1962-A071B76432F1}"/>
+              </a:ext>
+              <a:ext uri="{C183D7F6-B498-43B3-948B-1728B52AA6E4}">
+                <adec:decorative xmlns:adec="http://schemas.microsoft.com/office/drawing/2017/decorative" val="1"/>
+              </a:ext>
+            </a:extLst>
+          </p:cNvPr>
+          <p:cNvSpPr>
+            <a:spLocks noGrp="1" noRot="1" noChangeAspect="1" noMove="1" noResize="1" noEditPoints="1" noAdjustHandles="1" noChangeArrowheads="1" noChangeShapeType="1" noTextEdit="1"/>
+          </p:cNvSpPr>
+          <p:nvPr>
+            <p:extLst>
+              <p:ext uri="{386F3935-93C4-4BCD-93E2-E3B085C9AB24}">
+                <p16:designElem xmlns:p16="http://schemas.microsoft.com/office/powerpoint/2015/main" val="1"/>
+              </p:ext>
+            </p:extLst>
+          </p:nvPr>
+        </p:nvSpPr>
+        <p:spPr>
+          <a:xfrm>
+            <a:off x="0" y="0"/>
+            <a:ext cx="12192000" cy="6858000"/>
+          </a:xfrm>
+          <a:prstGeom prst="rect">
+            <a:avLst/>
+          </a:prstGeom>
+          <a:ln w="12700" cap="flat" cmpd="sng" algn="ctr">
+            <a:noFill/>
+            <a:prstDash val="solid"/>
+            <a:miter lim="800000"/>
+          </a:ln>
+          <a:effectLst/>
+          <a:extLst>
+            <a:ext uri="{91240B29-F687-4F45-9708-019B960494DF}">
+              <a14:hiddenLine xmlns:a14="http://schemas.microsoft.com/office/drawing/2010/main" w="12700" cap="flat" cmpd="sng" algn="ctr">
+                <a:solidFill>
+                  <a:schemeClr val="accent1">
+                    <a:shade val="50000"/>
+                  </a:schemeClr>
+                </a:solidFill>
+                <a:prstDash val="solid"/>
+                <a:miter lim="800000"/>
+              </a14:hiddenLine>
+            </a:ext>
+          </a:extLst>
+        </p:spPr>
+        <p:style>
+          <a:lnRef idx="2">
+            <a:schemeClr val="accent1">
+              <a:shade val="50000"/>
+            </a:schemeClr>
+          </a:lnRef>
+          <a:fillRef idx="1">
+            <a:schemeClr val="accent1"/>
+          </a:fillRef>
+          <a:effectRef idx="0">
+            <a:schemeClr val="accent1"/>
+          </a:effectRef>
+          <a:fontRef idx="minor">
+            <a:schemeClr val="lt1"/>
+          </a:fontRef>
+        </p:style>
+        <p:txBody>
+          <a:bodyPr rtlCol="0" anchor="ctr"/>
+          <a:lstStyle/>
+          <a:p>
+            <a:pPr algn="ctr"/>
+            <a:endParaRPr lang="en-US"/>
+          </a:p>
+        </p:txBody>
+      </p:sp>
+      <p:sp>
+        <p:nvSpPr>
+          <p:cNvPr id="2" name="Title 1">
+            <a:extLst>
+              <a:ext uri="{FF2B5EF4-FFF2-40B4-BE49-F238E27FC236}">
+                <a16:creationId xmlns:a16="http://schemas.microsoft.com/office/drawing/2014/main" id="{037A5A05-D06F-98E4-1FDA-D408D120B4EE}"/>
+              </a:ext>
+            </a:extLst>
+          </p:cNvPr>
+          <p:cNvSpPr>
+            <a:spLocks noGrp="1"/>
+          </p:cNvSpPr>
+          <p:nvPr>
+            <p:ph type="title"/>
+          </p:nvPr>
+        </p:nvSpPr>
+        <p:spPr>
+          <a:xfrm>
+            <a:off x="952499" y="965110"/>
+            <a:ext cx="5533080" cy="1771535"/>
+          </a:xfrm>
+          <a:noFill/>
+        </p:spPr>
+        <p:txBody>
+          <a:bodyPr>
+            <a:normAutofit/>
+          </a:bodyPr>
+          <a:lstStyle/>
+          <a:p>
+            <a:r>
+              <a:rPr lang="en-GB" b="1" dirty="0"/>
+              <a:t>Amory </a:t>
+            </a:r>
+            <a:r>
+              <a:rPr lang="en-GB" b="1"/>
+              <a:t>Lovins</a:t>
+            </a:r>
+            <a:r>
+              <a:rPr lang="en-GB" dirty="0"/>
+              <a:t> </a:t>
+            </a:r>
+          </a:p>
+        </p:txBody>
+      </p:sp>
+      <p:sp>
+        <p:nvSpPr>
+          <p:cNvPr id="3" name="Content Placeholder 2">
+            <a:extLst>
+              <a:ext uri="{FF2B5EF4-FFF2-40B4-BE49-F238E27FC236}">
+                <a16:creationId xmlns:a16="http://schemas.microsoft.com/office/drawing/2014/main" id="{A24E2BB2-28D2-A65E-0BC0-3E84F8127F44}"/>
+              </a:ext>
+            </a:extLst>
+          </p:cNvPr>
+          <p:cNvSpPr>
+            <a:spLocks noGrp="1"/>
+          </p:cNvSpPr>
+          <p:nvPr>
+            <p:ph idx="1"/>
+          </p:nvPr>
+        </p:nvSpPr>
+        <p:spPr>
+          <a:xfrm>
+            <a:off x="952502" y="2890881"/>
+            <a:ext cx="5309020" cy="3009381"/>
+          </a:xfrm>
+        </p:spPr>
+        <p:txBody>
+          <a:bodyPr>
+            <a:normAutofit/>
+          </a:bodyPr>
+          <a:lstStyle/>
+          <a:p>
+            <a:pPr marL="0" indent="0">
+              <a:lnSpc>
+                <a:spcPct val="110000"/>
+              </a:lnSpc>
+              <a:buNone/>
+            </a:pPr>
+            <a:r>
+              <a:rPr lang="en-GB" sz="1400" b="1"/>
+              <a:t>Amory </a:t>
+            </a:r>
+            <a:r>
+              <a:rPr lang="en-GB" sz="1400" b="1" err="1"/>
+              <a:t>Lovins</a:t>
+            </a:r>
+            <a:r>
+              <a:rPr lang="en-GB" sz="1400"/>
+              <a:t> is a physicist and co-founder of the </a:t>
+            </a:r>
+            <a:r>
+              <a:rPr lang="en-GB" sz="1400" b="1"/>
+              <a:t>Rocky Mountain Institute</a:t>
+            </a:r>
+            <a:r>
+              <a:rPr lang="en-GB" sz="1400"/>
+              <a:t>, known for his pioneering work in energy efficiency. He advocates for reducing household energy use through smart technologies like </a:t>
+            </a:r>
+            <a:r>
+              <a:rPr lang="en-GB" sz="1400" b="1"/>
+              <a:t>LED lighting</a:t>
+            </a:r>
+            <a:r>
+              <a:rPr lang="en-GB" sz="1400"/>
+              <a:t>, </a:t>
+            </a:r>
+            <a:r>
+              <a:rPr lang="en-GB" sz="1400" b="1"/>
+              <a:t>solar panels</a:t>
+            </a:r>
+            <a:r>
+              <a:rPr lang="en-GB" sz="1400"/>
+              <a:t>, and </a:t>
+            </a:r>
+            <a:r>
+              <a:rPr lang="en-GB" sz="1400" b="1"/>
+              <a:t>advanced insulation</a:t>
+            </a:r>
+            <a:r>
+              <a:rPr lang="en-GB" sz="1400"/>
+              <a:t>. </a:t>
+            </a:r>
+            <a:r>
+              <a:rPr lang="en-GB" sz="1400" err="1"/>
+              <a:t>Lovins</a:t>
+            </a:r>
+            <a:r>
+              <a:rPr lang="en-GB" sz="1400"/>
+              <a:t> also promotes the use of </a:t>
+            </a:r>
+            <a:r>
+              <a:rPr lang="en-GB" sz="1400" b="1"/>
+              <a:t>smart thermostats</a:t>
+            </a:r>
+            <a:r>
+              <a:rPr lang="en-GB" sz="1400"/>
+              <a:t> and </a:t>
+            </a:r>
+            <a:r>
+              <a:rPr lang="en-GB" sz="1400" b="1"/>
+              <a:t>energy management systems</a:t>
+            </a:r>
+            <a:r>
+              <a:rPr lang="en-GB" sz="1400"/>
+              <a:t> to optimize energy consumption in homes. His approach focuses on </a:t>
+            </a:r>
+            <a:r>
+              <a:rPr lang="en-GB" sz="1400" b="1"/>
+              <a:t>integrating efficient design</a:t>
+            </a:r>
+            <a:r>
+              <a:rPr lang="en-GB" sz="1400"/>
+              <a:t> and </a:t>
+            </a:r>
+            <a:r>
+              <a:rPr lang="en-GB" sz="1400" b="1"/>
+              <a:t>technology</a:t>
+            </a:r>
+            <a:r>
+              <a:rPr lang="en-GB" sz="1400"/>
+              <a:t> to create sustainable, low-energy homes. </a:t>
+            </a:r>
+            <a:r>
+              <a:rPr lang="en-GB" sz="1400" err="1"/>
+              <a:t>Lovins</a:t>
+            </a:r>
+            <a:r>
+              <a:rPr lang="en-GB" sz="1400"/>
+              <a:t>' work demonstrates how technology can dramatically reduce energy use, cut costs, and lower carbon emissions, making him a leading figure in sustainable living practices.</a:t>
+            </a:r>
+          </a:p>
+        </p:txBody>
+      </p:sp>
+      <p:sp>
+        <p:nvSpPr>
+          <p:cNvPr id="1040" name="Rectangle 1039">
+            <a:extLst>
+              <a:ext uri="{FF2B5EF4-FFF2-40B4-BE49-F238E27FC236}">
+                <a16:creationId xmlns:a16="http://schemas.microsoft.com/office/drawing/2014/main" id="{FAC4BDE1-4D40-5601-7947-DB5EFE31DAB9}"/>
+              </a:ext>
+              <a:ext uri="{C183D7F6-B498-43B3-948B-1728B52AA6E4}">
+                <adec:decorative xmlns:adec="http://schemas.microsoft.com/office/drawing/2017/decorative" val="1"/>
+              </a:ext>
+            </a:extLst>
+          </p:cNvPr>
+          <p:cNvSpPr>
+            <a:spLocks noGrp="1" noRot="1" noChangeAspect="1" noMove="1" noResize="1" noEditPoints="1" noAdjustHandles="1" noChangeArrowheads="1" noChangeShapeType="1" noTextEdit="1"/>
+          </p:cNvSpPr>
+          <p:nvPr>
+            <p:extLst>
+              <p:ext uri="{386F3935-93C4-4BCD-93E2-E3B085C9AB24}">
+                <p16:designElem xmlns:p16="http://schemas.microsoft.com/office/powerpoint/2015/main" val="1"/>
+              </p:ext>
+            </p:extLst>
+          </p:nvPr>
+        </p:nvSpPr>
+        <p:spPr>
+          <a:xfrm>
+            <a:off x="8114543" y="965357"/>
+            <a:ext cx="3105364" cy="4942524"/>
+          </a:xfrm>
+          <a:prstGeom prst="rect">
+            <a:avLst/>
+          </a:prstGeom>
+          <a:noFill/>
+          <a:ln w="12700">
+            <a:solidFill>
+              <a:schemeClr val="tx1"/>
+            </a:solidFill>
+          </a:ln>
+        </p:spPr>
+        <p:style>
+          <a:lnRef idx="2">
+            <a:schemeClr val="accent1">
+              <a:shade val="50000"/>
+            </a:schemeClr>
+          </a:lnRef>
+          <a:fillRef idx="1">
+            <a:schemeClr val="accent1"/>
+          </a:fillRef>
+          <a:effectRef idx="0">
+            <a:schemeClr val="accent1"/>
+          </a:effectRef>
+          <a:fontRef idx="minor">
+            <a:schemeClr val="lt1"/>
+          </a:fontRef>
+        </p:style>
+        <p:txBody>
+          <a:bodyPr rtlCol="0" anchor="ctr"/>
+          <a:lstStyle/>
+          <a:p>
+            <a:pPr algn="ctr"/>
+            <a:endParaRPr lang="en-US"/>
+          </a:p>
+        </p:txBody>
+      </p:sp>
+      <p:pic>
+        <p:nvPicPr>
+          <p:cNvPr id="4" name="Picture 2" descr="Amory B. Lovins - Schumacher Center for a New Economics">
+            <a:extLst>
+              <a:ext uri="{FF2B5EF4-FFF2-40B4-BE49-F238E27FC236}">
+                <a16:creationId xmlns:a16="http://schemas.microsoft.com/office/drawing/2014/main" id="{97453978-269B-5942-3C4C-135F523229FF}"/>
+              </a:ext>
+            </a:extLst>
+          </p:cNvPr>
+          <p:cNvPicPr>
+            <a:picLocks noChangeAspect="1" noChangeArrowheads="1"/>
+          </p:cNvPicPr>
+          <p:nvPr/>
+        </p:nvPicPr>
+        <p:blipFill>
+          <a:blip r:embed="rId2">
+            <a:extLst>
+              <a:ext uri="{28A0092B-C50C-407E-A947-70E740481C1C}">
+                <a14:useLocalDpi xmlns:a14="http://schemas.microsoft.com/office/drawing/2010/main" val="0"/>
+              </a:ext>
+            </a:extLst>
+          </a:blip>
+          <a:srcRect l="24771" r="15772" b="1"/>
+          <a:stretch/>
+        </p:blipFill>
+        <p:spPr bwMode="auto">
+          <a:xfrm>
+            <a:off x="7369700" y="1695512"/>
+            <a:ext cx="3104849" cy="3459556"/>
+          </a:xfrm>
+          <a:prstGeom prst="rect">
+            <a:avLst/>
+          </a:prstGeom>
+          <a:noFill/>
+          <a:extLst>
+            <a:ext uri="{909E8E84-426E-40DD-AFC4-6F175D3DCCD1}">
+              <a14:hiddenFill xmlns:a14="http://schemas.microsoft.com/office/drawing/2010/main">
+                <a:solidFill>
+                  <a:srgbClr val="FFFFFF"/>
+                </a:solidFill>
+              </a14:hiddenFill>
+            </a:ext>
+          </a:extLst>
+        </p:spPr>
+      </p:pic>
+    </p:spTree>
+    <p:extLst>
+      <p:ext uri="{BB962C8B-B14F-4D97-AF65-F5344CB8AC3E}">
+        <p14:creationId xmlns:p14="http://schemas.microsoft.com/office/powerpoint/2010/main" val="2382996333"/>
+      </p:ext>
+    </p:extLst>
+  </p:cSld>
+  <p:clrMapOvr>
+    <a:masterClrMapping/>
+  </p:clrMapOvr>
+</p:sld>
+</file>
+
+<file path=ppt/slides/slide2.xml><?xml version="1.0" encoding="utf-8"?>
+<p:sld xmlns:a="http://schemas.openxmlformats.org/drawingml/2006/main" xmlns:r="http://schemas.openxmlformats.org/officeDocument/2006/relationships" xmlns:p="http://schemas.openxmlformats.org/presentationml/2006/main">
+  <p:cSld>
+    <p:bg>
+      <p:bgPr>
+        <a:solidFill>
+          <a:schemeClr val="bg2"/>
+        </a:solidFill>
+        <a:effectLst/>
+      </p:bgPr>
+    </p:bg>
+    <p:spTree>
+      <p:nvGrpSpPr>
+        <p:cNvPr id="1" name=""/>
+        <p:cNvGrpSpPr/>
+        <p:nvPr/>
+      </p:nvGrpSpPr>
+      <p:grpSpPr>
+        <a:xfrm>
+          <a:off x="0" y="0"/>
+          <a:ext cx="0" cy="0"/>
+          <a:chOff x="0" y="0"/>
+          <a:chExt cx="0" cy="0"/>
+        </a:xfrm>
+      </p:grpSpPr>
+      <p:sp useBgFill="1">
+        <p:nvSpPr>
+          <p:cNvPr id="9" name="Rectangle 8">
+            <a:extLst>
+              <a:ext uri="{FF2B5EF4-FFF2-40B4-BE49-F238E27FC236}">
+                <a16:creationId xmlns:a16="http://schemas.microsoft.com/office/drawing/2014/main" id="{436866BF-907B-F3CF-1C75-682CE4654ACA}"/>
+              </a:ext>
+              <a:ext uri="{C183D7F6-B498-43B3-948B-1728B52AA6E4}">
+                <adec:decorative xmlns:adec="http://schemas.microsoft.com/office/drawing/2017/decorative" val="1"/>
+              </a:ext>
+            </a:extLst>
+          </p:cNvPr>
+          <p:cNvSpPr>
+            <a:spLocks noGrp="1" noRot="1" noChangeAspect="1" noMove="1" noResize="1" noEditPoints="1" noAdjustHandles="1" noChangeArrowheads="1" noChangeShapeType="1" noTextEdit="1"/>
+          </p:cNvSpPr>
+          <p:nvPr>
+            <p:extLst>
+              <p:ext uri="{386F3935-93C4-4BCD-93E2-E3B085C9AB24}">
+                <p16:designElem xmlns:p16="http://schemas.microsoft.com/office/powerpoint/2015/main" val="1"/>
+              </p:ext>
+            </p:extLst>
+          </p:nvPr>
+        </p:nvSpPr>
+        <p:spPr>
+          <a:xfrm>
+            <a:off x="0" y="0"/>
+            <a:ext cx="12192000" cy="6858000"/>
+          </a:xfrm>
+          <a:prstGeom prst="rect">
+            <a:avLst/>
+          </a:prstGeom>
+          <a:ln w="12700" cap="flat" cmpd="sng" algn="ctr">
+            <a:noFill/>
+            <a:prstDash val="solid"/>
+            <a:miter lim="800000"/>
+          </a:ln>
+          <a:effectLst/>
+          <a:extLst>
+            <a:ext uri="{91240B29-F687-4F45-9708-019B960494DF}">
+              <a14:hiddenLine xmlns:a14="http://schemas.microsoft.com/office/drawing/2010/main" w="12700" cap="flat" cmpd="sng" algn="ctr">
+                <a:solidFill>
+                  <a:schemeClr val="accent1">
+                    <a:shade val="50000"/>
+                  </a:schemeClr>
+                </a:solidFill>
+                <a:prstDash val="solid"/>
+                <a:miter lim="800000"/>
+              </a14:hiddenLine>
+            </a:ext>
+          </a:extLst>
+        </p:spPr>
+        <p:style>
+          <a:lnRef idx="2">
+            <a:schemeClr val="accent1">
+              <a:shade val="50000"/>
+            </a:schemeClr>
+          </a:lnRef>
+          <a:fillRef idx="1">
+            <a:schemeClr val="accent1"/>
+          </a:fillRef>
+          <a:effectRef idx="0">
+            <a:schemeClr val="accent1"/>
+          </a:effectRef>
+          <a:fontRef idx="minor">
+            <a:schemeClr val="lt1"/>
+          </a:fontRef>
+        </p:style>
+        <p:txBody>
+          <a:bodyPr rtlCol="0" anchor="ctr"/>
+          <a:lstStyle/>
+          <a:p>
+            <a:pPr algn="ctr"/>
+            <a:endParaRPr lang="en-US"/>
+          </a:p>
+        </p:txBody>
+      </p:sp>
+      <p:sp>
+        <p:nvSpPr>
           <p:cNvPr id="11" name="Rectangle 10">
             <a:extLst>
               <a:ext uri="{FF2B5EF4-FFF2-40B4-BE49-F238E27FC236}">
@@ -9048,12 +9737,12 @@
         </p:spPr>
         <p:txBody>
           <a:bodyPr anchor="ctr">
-            <a:normAutofit/>
+            <a:noAutofit/>
           </a:bodyPr>
           <a:lstStyle/>
           <a:p>
             <a:r>
-              <a:rPr lang="en-GB" dirty="0"/>
+              <a:rPr lang="en-GB" sz="4000" dirty="0"/>
               <a:t>Objectives</a:t>
             </a:r>
           </a:p>
@@ -9075,7 +9764,7 @@
             <p:ph idx="1"/>
             <p:extLst>
               <p:ext uri="{D42A27DB-BD31-4B8C-83A1-F6EECF244321}">
-                <p14:modId xmlns:p14="http://schemas.microsoft.com/office/powerpoint/2010/main" val="3547054081"/>
+                <p14:modId xmlns:p14="http://schemas.microsoft.com/office/powerpoint/2010/main" val="2231854078"/>
               </p:ext>
             </p:extLst>
           </p:nvPr>
@@ -9138,22 +9827,71 @@
         </p:nvSpPr>
         <p:spPr>
           <a:xfrm>
-            <a:off x="1295400" y="2774156"/>
+            <a:off x="1418064" y="1592127"/>
             <a:ext cx="9601200" cy="1309687"/>
           </a:xfrm>
         </p:spPr>
         <p:txBody>
-          <a:bodyPr/>
+          <a:bodyPr>
+            <a:normAutofit/>
+          </a:bodyPr>
           <a:lstStyle/>
           <a:p>
             <a:pPr algn="ctr"/>
             <a:r>
-              <a:rPr lang="en-GB" dirty="0"/>
+              <a:rPr lang="en-GB" sz="3200" dirty="0"/>
               <a:t>Name some common items around a house which use energy</a:t>
             </a:r>
           </a:p>
         </p:txBody>
       </p:sp>
+      <p:pic>
+        <p:nvPicPr>
+          <p:cNvPr id="1038" name="Picture 14" descr="Light Bulb PNG, Vector, PSD, and Clipart With Transparent Background for  Free Download | Pngtree">
+            <a:extLst>
+              <a:ext uri="{FF2B5EF4-FFF2-40B4-BE49-F238E27FC236}">
+                <a16:creationId xmlns:a16="http://schemas.microsoft.com/office/drawing/2014/main" id="{CE29EAFC-94DB-7986-D622-7D9E76B47A7D}"/>
+              </a:ext>
+            </a:extLst>
+          </p:cNvPr>
+          <p:cNvPicPr>
+            <a:picLocks noChangeAspect="1" noChangeArrowheads="1"/>
+          </p:cNvPicPr>
+          <p:nvPr/>
+        </p:nvPicPr>
+        <p:blipFill>
+          <a:blip r:embed="rId3">
+            <a:extLst>
+              <a:ext uri="{28A0092B-C50C-407E-A947-70E740481C1C}">
+                <a14:useLocalDpi xmlns:a14="http://schemas.microsoft.com/office/drawing/2010/main" val="0"/>
+              </a:ext>
+            </a:extLst>
+          </a:blip>
+          <a:srcRect/>
+          <a:stretch>
+            <a:fillRect/>
+          </a:stretch>
+        </p:blipFill>
+        <p:spPr bwMode="auto">
+          <a:xfrm>
+            <a:off x="4769005" y="3077737"/>
+            <a:ext cx="3048000" cy="3048000"/>
+          </a:xfrm>
+          <a:prstGeom prst="rect">
+            <a:avLst/>
+          </a:prstGeom>
+          <a:noFill/>
+          <a:extLst>
+            <a:ext uri="{909E8E84-426E-40DD-AFC4-6F175D3DCCD1}">
+              <a14:hiddenFill xmlns:a14="http://schemas.microsoft.com/office/drawing/2010/main">
+                <a:solidFill>
+                  <a:srgbClr val="FFFFFF"/>
+                </a:solidFill>
+              </a14:hiddenFill>
+            </a:ext>
+          </a:extLst>
+        </p:spPr>
+      </p:pic>
     </p:spTree>
     <p:extLst>
       <p:ext uri="{BB962C8B-B14F-4D97-AF65-F5344CB8AC3E}">
@@ -9235,7 +9973,12 @@
             <p:ph idx="1"/>
           </p:nvPr>
         </p:nvSpPr>
-        <p:spPr/>
+        <p:spPr>
+          <a:xfrm>
+            <a:off x="323385" y="2262188"/>
+            <a:ext cx="11151219" cy="3643312"/>
+          </a:xfrm>
+        </p:spPr>
         <p:txBody>
           <a:bodyPr/>
           <a:lstStyle/>
@@ -9245,14 +9988,14 @@
               <a:buChar char=""/>
             </a:pPr>
             <a:r>
-              <a:rPr lang="en-AU" sz="2800" dirty="0">
+              <a:rPr lang="en-AU" sz="3000" dirty="0">
                 <a:effectLst/>
                 <a:latin typeface="Times New Roman" panose="02020603050405020304" pitchFamily="18" charset="0"/>
                 <a:ea typeface="Times New Roman" panose="02020603050405020304" pitchFamily="18" charset="0"/>
               </a:rPr>
               <a:t>Watts (W): A unit of power.</a:t>
             </a:r>
-            <a:endParaRPr lang="en-GB" sz="2800" dirty="0">
+            <a:endParaRPr lang="en-GB" sz="3000" dirty="0">
               <a:effectLst/>
               <a:latin typeface="Times New Roman" panose="02020603050405020304" pitchFamily="18" charset="0"/>
               <a:ea typeface="Times New Roman" panose="02020603050405020304" pitchFamily="18" charset="0"/>
@@ -9264,7 +10007,7 @@
               <a:buChar char=""/>
             </a:pPr>
             <a:r>
-              <a:rPr lang="en-AU" sz="2800" dirty="0">
+              <a:rPr lang="en-AU" sz="3000" dirty="0">
                 <a:effectLst/>
                 <a:latin typeface="Times New Roman" panose="02020603050405020304" pitchFamily="18" charset="0"/>
                 <a:ea typeface="Times New Roman" panose="02020603050405020304" pitchFamily="18" charset="0"/>
@@ -9278,14 +10021,14 @@
               <a:buChar char=""/>
             </a:pPr>
             <a:r>
-              <a:rPr lang="en-AU" sz="2400" dirty="0">
+              <a:rPr lang="en-AU" sz="3000" dirty="0">
                 <a:effectLst/>
                 <a:latin typeface="Times New Roman" panose="02020603050405020304" pitchFamily="18" charset="0"/>
                 <a:ea typeface="Times New Roman" panose="02020603050405020304" pitchFamily="18" charset="0"/>
               </a:rPr>
               <a:t>Energy Transferred: Calculated as Power (W) * Time (S).</a:t>
             </a:r>
-            <a:endParaRPr lang="en-GB" sz="2400" dirty="0">
+            <a:endParaRPr lang="en-GB" sz="3000" dirty="0">
               <a:effectLst/>
               <a:latin typeface="Times New Roman" panose="02020603050405020304" pitchFamily="18" charset="0"/>
               <a:ea typeface="Times New Roman" panose="02020603050405020304" pitchFamily="18" charset="0"/>
@@ -9297,14 +10040,14 @@
               <a:buChar char=""/>
             </a:pPr>
             <a:r>
-              <a:rPr lang="en-AU" sz="2400" dirty="0">
+              <a:rPr lang="en-AU" sz="3000" dirty="0">
                 <a:effectLst/>
                 <a:latin typeface="Times New Roman" panose="02020603050405020304" pitchFamily="18" charset="0"/>
                 <a:ea typeface="Times New Roman" panose="02020603050405020304" pitchFamily="18" charset="0"/>
               </a:rPr>
               <a:t>Cost Formula: Cost = Power (kW) * Time (hours) * Price (per kWh).</a:t>
             </a:r>
-            <a:endParaRPr lang="en-GB" sz="2400" dirty="0">
+            <a:endParaRPr lang="en-GB" sz="3000" dirty="0">
               <a:effectLst/>
               <a:latin typeface="Times New Roman" panose="02020603050405020304" pitchFamily="18" charset="0"/>
               <a:ea typeface="Times New Roman" panose="02020603050405020304" pitchFamily="18" charset="0"/>
@@ -9413,7 +10156,7 @@
               </a:lnSpc>
             </a:pPr>
             <a:r>
-              <a:rPr lang="en-GB" sz="2400" kern="100" dirty="0">
+              <a:rPr lang="en-GB" sz="3000" kern="100" dirty="0">
                 <a:effectLst/>
                 <a:latin typeface="Calibri" panose="020F0502020204030204" pitchFamily="34" charset="0"/>
                 <a:ea typeface="Calibri" panose="020F0502020204030204" pitchFamily="34" charset="0"/>
@@ -9422,7 +10165,7 @@
               <a:t>Go to the link: </a:t>
             </a:r>
             <a:r>
-              <a:rPr lang="en-GB" sz="2400" u="sng" kern="100" dirty="0">
+              <a:rPr lang="en-GB" sz="3000" u="sng" kern="100" dirty="0">
                 <a:solidFill>
                   <a:srgbClr val="0563C1"/>
                 </a:solidFill>
@@ -9435,7 +10178,7 @@
               <a:t>https://docs.google.com/spreadsheets/create</a:t>
             </a:r>
             <a:r>
-              <a:rPr lang="en-GB" sz="2400" kern="100" dirty="0">
+              <a:rPr lang="en-GB" sz="3000" kern="100" dirty="0">
                 <a:effectLst/>
                 <a:latin typeface="Calibri" panose="020F0502020204030204" pitchFamily="34" charset="0"/>
                 <a:ea typeface="Calibri" panose="020F0502020204030204" pitchFamily="34" charset="0"/>
@@ -9454,7 +10197,7 @@
               </a:spcAft>
             </a:pPr>
             <a:r>
-              <a:rPr lang="en-GB" sz="2400" kern="100" dirty="0">
+              <a:rPr lang="en-GB" sz="3000" kern="100" dirty="0">
                 <a:effectLst/>
                 <a:latin typeface="Calibri" panose="020F0502020204030204" pitchFamily="34" charset="0"/>
                 <a:ea typeface="Calibri" panose="020F0502020204030204" pitchFamily="34" charset="0"/>
@@ -9463,7 +10206,7 @@
               <a:t>Name it </a:t>
             </a:r>
             <a:r>
-              <a:rPr lang="en-GB" sz="2400" kern="100" dirty="0" err="1">
+              <a:rPr lang="en-GB" sz="3000" kern="100" dirty="0" err="1">
                 <a:effectLst/>
                 <a:latin typeface="Calibri" panose="020F0502020204030204" pitchFamily="34" charset="0"/>
                 <a:ea typeface="Calibri" panose="020F0502020204030204" pitchFamily="34" charset="0"/>
@@ -9472,7 +10215,7 @@
               <a:t>surname_engage_energy</a:t>
             </a:r>
             <a:r>
-              <a:rPr lang="en-GB" sz="2400" kern="100" dirty="0">
+              <a:rPr lang="en-GB" sz="3000" kern="100" dirty="0">
                 <a:effectLst/>
                 <a:latin typeface="Calibri" panose="020F0502020204030204" pitchFamily="34" charset="0"/>
                 <a:ea typeface="Calibri" panose="020F0502020204030204" pitchFamily="34" charset="0"/>
@@ -9481,7 +10224,7 @@
               <a:t>  e.g. ‘</a:t>
             </a:r>
             <a:r>
-              <a:rPr lang="en-GB" sz="2400" kern="100" dirty="0" err="1">
+              <a:rPr lang="en-GB" sz="3000" kern="100" dirty="0" err="1">
                 <a:effectLst/>
                 <a:latin typeface="Calibri" panose="020F0502020204030204" pitchFamily="34" charset="0"/>
                 <a:ea typeface="Calibri" panose="020F0502020204030204" pitchFamily="34" charset="0"/>
@@ -9490,7 +10233,7 @@
               <a:t>Smith_engage_energy</a:t>
             </a:r>
             <a:r>
-              <a:rPr lang="en-GB" sz="2400" kern="100" dirty="0">
+              <a:rPr lang="en-GB" sz="3000" kern="100" dirty="0">
                 <a:effectLst/>
                 <a:latin typeface="Calibri" panose="020F0502020204030204" pitchFamily="34" charset="0"/>
                 <a:ea typeface="Calibri" panose="020F0502020204030204" pitchFamily="34" charset="0"/>
@@ -9557,11 +10300,13 @@
           </a:xfrm>
         </p:spPr>
         <p:txBody>
-          <a:bodyPr/>
+          <a:bodyPr>
+            <a:normAutofit/>
+          </a:bodyPr>
           <a:lstStyle/>
           <a:p>
             <a:r>
-              <a:rPr lang="en-GB" dirty="0"/>
+              <a:rPr lang="en-GB" sz="3200" dirty="0"/>
               <a:t>Copy the table into the google sheet</a:t>
             </a:r>
           </a:p>
@@ -10947,7 +11692,7 @@
         </p:spPr>
         <p:txBody>
           <a:bodyPr>
-            <a:normAutofit fontScale="70000" lnSpcReduction="20000"/>
+            <a:normAutofit fontScale="92500" lnSpcReduction="20000"/>
           </a:bodyPr>
           <a:lstStyle/>
           <a:p>
@@ -10958,7 +11703,7 @@
               <a:buNone/>
             </a:pPr>
             <a:r>
-              <a:rPr lang="en-GB" sz="2000" dirty="0"/>
+              <a:rPr lang="en-GB" sz="2400" dirty="0"/>
               <a:t>Why Use Formulas?</a:t>
             </a:r>
           </a:p>
@@ -10969,7 +11714,7 @@
               </a:lnSpc>
             </a:pPr>
             <a:r>
-              <a:rPr lang="en-GB" sz="2000" dirty="0"/>
+              <a:rPr lang="en-GB" sz="2400" dirty="0"/>
               <a:t>Save Time, Reduce Errors, Dynamic Data</a:t>
             </a:r>
           </a:p>
@@ -10980,7 +11725,7 @@
               </a:lnSpc>
             </a:pPr>
             <a:r>
-              <a:rPr lang="en-GB" sz="2000" dirty="0"/>
+              <a:rPr lang="en-GB" sz="2400" dirty="0"/>
               <a:t>Commonly Used Google Sheets Formulas:</a:t>
             </a:r>
           </a:p>
@@ -10992,7 +11737,7 @@
               <a:buNone/>
             </a:pPr>
             <a:r>
-              <a:rPr lang="en-GB" sz="2000" dirty="0"/>
+              <a:rPr lang="en-GB" sz="2400" dirty="0"/>
               <a:t>SUM: Adds a range of numbers.</a:t>
             </a:r>
           </a:p>
@@ -11004,35 +11749,8 @@
               <a:buNone/>
             </a:pPr>
             <a:r>
-              <a:rPr lang="en-GB" sz="2000" dirty="0"/>
+              <a:rPr lang="en-GB" sz="2400" dirty="0"/>
               <a:t> Example: =SUM(A1:A10) adds all the numbers from A1 to A10.</a:t>
-            </a:r>
-          </a:p>
-          <a:p>
-            <a:pPr>
-              <a:lnSpc>
-                <a:spcPct val="110000"/>
-              </a:lnSpc>
-            </a:pPr>
-            <a:r>
-              <a:rPr lang="en-GB" sz="2000" dirty="0"/>
-              <a:t>AVERAGE: Calculates the average of a range of numbers.</a:t>
-            </a:r>
-          </a:p>
-          <a:p>
-            <a:pPr marL="0" indent="0">
-              <a:lnSpc>
-                <a:spcPct val="110000"/>
-              </a:lnSpc>
-              <a:buNone/>
-            </a:pPr>
-            <a:r>
-              <a:rPr lang="en-GB" sz="2000" dirty="0"/>
-              <a:t>Example: =AVERAGE(B1:B10) finds the average of numbers from B1 to B10</a:t>
-            </a:r>
-            <a:r>
-              <a:rPr lang="en-GB" sz="1100" dirty="0"/>
-              <a:t>.</a:t>
             </a:r>
           </a:p>
         </p:txBody>
@@ -11505,13 +12223,13 @@
           <a:lstStyle/>
           <a:p>
             <a:r>
-              <a:rPr lang="en-GB" dirty="0"/>
+              <a:rPr lang="en-GB" sz="2800" dirty="0"/>
               <a:t>Go to Insert, Chart</a:t>
             </a:r>
           </a:p>
           <a:p>
             <a:r>
-              <a:rPr lang="en-GB" dirty="0"/>
+              <a:rPr lang="en-GB" sz="2800" dirty="0"/>
               <a:t>Change the values to show a bar chart</a:t>
             </a:r>
           </a:p>
